--- a/DocsPhase1_2_3/Nikpour-Aryabod_92130892_DLBCSPJWD01_P3_S.pptx
+++ b/DocsPhase1_2_3/Nikpour-Aryabod_92130892_DLBCSPJWD01_P3_S.pptx
@@ -5,10 +5,10 @@
     <p:sldMasterId id="2147483660" r:id="rId4"/>
   </p:sldMasterIdLst>
   <p:notesMasterIdLst>
-    <p:notesMasterId r:id="rId25"/>
+    <p:notesMasterId r:id="rId24"/>
   </p:notesMasterIdLst>
   <p:handoutMasterIdLst>
-    <p:handoutMasterId r:id="rId26"/>
+    <p:handoutMasterId r:id="rId25"/>
   </p:handoutMasterIdLst>
   <p:sldIdLst>
     <p:sldId id="279" r:id="rId5"/>
@@ -20,17 +20,16 @@
     <p:sldId id="275" r:id="rId11"/>
     <p:sldId id="281" r:id="rId12"/>
     <p:sldId id="278" r:id="rId13"/>
-    <p:sldId id="277" r:id="rId14"/>
-    <p:sldId id="284" r:id="rId15"/>
-    <p:sldId id="285" r:id="rId16"/>
-    <p:sldId id="286" r:id="rId17"/>
-    <p:sldId id="287" r:id="rId18"/>
-    <p:sldId id="288" r:id="rId19"/>
-    <p:sldId id="289" r:id="rId20"/>
-    <p:sldId id="290" r:id="rId21"/>
-    <p:sldId id="291" r:id="rId22"/>
-    <p:sldId id="292" r:id="rId23"/>
-    <p:sldId id="293" r:id="rId24"/>
+    <p:sldId id="284" r:id="rId14"/>
+    <p:sldId id="285" r:id="rId15"/>
+    <p:sldId id="286" r:id="rId16"/>
+    <p:sldId id="287" r:id="rId17"/>
+    <p:sldId id="288" r:id="rId18"/>
+    <p:sldId id="289" r:id="rId19"/>
+    <p:sldId id="290" r:id="rId20"/>
+    <p:sldId id="291" r:id="rId21"/>
+    <p:sldId id="292" r:id="rId22"/>
+    <p:sldId id="293" r:id="rId23"/>
   </p:sldIdLst>
   <p:sldSz cx="12192000" cy="6858000"/>
   <p:notesSz cx="6858000" cy="9144000"/>
@@ -6117,7 +6116,7 @@
         <p:cNvPr id="1" name="">
           <a:extLst>
             <a:ext uri="{FF2B5EF4-FFF2-40B4-BE49-F238E27FC236}">
-              <a16:creationId xmlns:a16="http://schemas.microsoft.com/office/drawing/2014/main" id="{6BE3F8C0-F036-1D7F-7ACD-43492922A575}"/>
+              <a16:creationId xmlns:a16="http://schemas.microsoft.com/office/drawing/2014/main" id="{D8FA80FE-ACC5-3ED5-AC09-244719D59244}"/>
             </a:ext>
           </a:extLst>
         </p:cNvPr>
@@ -6137,7 +6136,7 @@
           <p:cNvPr id="5" name="Title 1">
             <a:extLst>
               <a:ext uri="{FF2B5EF4-FFF2-40B4-BE49-F238E27FC236}">
-                <a16:creationId xmlns:a16="http://schemas.microsoft.com/office/drawing/2014/main" id="{49F0C03B-8C2B-9DAD-F7B1-F87DFAA01386}"/>
+                <a16:creationId xmlns:a16="http://schemas.microsoft.com/office/drawing/2014/main" id="{AB67E4B3-37B2-4B72-75B8-9B387B928B5D}"/>
               </a:ext>
             </a:extLst>
           </p:cNvPr>
@@ -6186,7 +6185,7 @@
           <p:cNvPr id="2" name="TextBox 1">
             <a:extLst>
               <a:ext uri="{FF2B5EF4-FFF2-40B4-BE49-F238E27FC236}">
-                <a16:creationId xmlns:a16="http://schemas.microsoft.com/office/drawing/2014/main" id="{79F5F560-BBB2-4A1C-4C26-3A55336551CC}"/>
+                <a16:creationId xmlns:a16="http://schemas.microsoft.com/office/drawing/2014/main" id="{9BB9C144-CF8A-4D78-4B91-D8DD988EDDF7}"/>
               </a:ext>
             </a:extLst>
           </p:cNvPr>
@@ -6265,7 +6264,7 @@
     </p:spTree>
     <p:extLst>
       <p:ext uri="{BB962C8B-B14F-4D97-AF65-F5344CB8AC3E}">
-        <p14:creationId xmlns:p14="http://schemas.microsoft.com/office/powerpoint/2010/main" val="566270694"/>
+        <p14:creationId xmlns:p14="http://schemas.microsoft.com/office/powerpoint/2010/main" val="3351150767"/>
       </p:ext>
     </p:extLst>
   </p:cSld>
@@ -6276,172 +6275,6 @@
 </file>
 
 <file path=ppt/slides/slide11.xml><?xml version="1.0" encoding="utf-8"?>
-<p:sld xmlns:a="http://schemas.openxmlformats.org/drawingml/2006/main" xmlns:r="http://schemas.openxmlformats.org/officeDocument/2006/relationships" xmlns:p="http://schemas.openxmlformats.org/presentationml/2006/main">
-  <p:cSld>
-    <p:spTree>
-      <p:nvGrpSpPr>
-        <p:cNvPr id="1" name="">
-          <a:extLst>
-            <a:ext uri="{FF2B5EF4-FFF2-40B4-BE49-F238E27FC236}">
-              <a16:creationId xmlns:a16="http://schemas.microsoft.com/office/drawing/2014/main" id="{D8FA80FE-ACC5-3ED5-AC09-244719D59244}"/>
-            </a:ext>
-          </a:extLst>
-        </p:cNvPr>
-        <p:cNvGrpSpPr/>
-        <p:nvPr/>
-      </p:nvGrpSpPr>
-      <p:grpSpPr>
-        <a:xfrm>
-          <a:off x="0" y="0"/>
-          <a:ext cx="0" cy="0"/>
-          <a:chOff x="0" y="0"/>
-          <a:chExt cx="0" cy="0"/>
-        </a:xfrm>
-      </p:grpSpPr>
-      <p:sp>
-        <p:nvSpPr>
-          <p:cNvPr id="5" name="Title 1">
-            <a:extLst>
-              <a:ext uri="{FF2B5EF4-FFF2-40B4-BE49-F238E27FC236}">
-                <a16:creationId xmlns:a16="http://schemas.microsoft.com/office/drawing/2014/main" id="{AB67E4B3-37B2-4B72-75B8-9B387B928B5D}"/>
-              </a:ext>
-            </a:extLst>
-          </p:cNvPr>
-          <p:cNvSpPr>
-            <a:spLocks noGrp="1"/>
-          </p:cNvSpPr>
-          <p:nvPr>
-            <p:ph type="title"/>
-          </p:nvPr>
-        </p:nvSpPr>
-        <p:spPr>
-          <a:xfrm>
-            <a:off x="518431" y="207034"/>
-            <a:ext cx="11155136" cy="1260000"/>
-          </a:xfrm>
-        </p:spPr>
-        <p:txBody>
-          <a:bodyPr>
-            <a:noAutofit/>
-          </a:bodyPr>
-          <a:lstStyle/>
-          <a:p>
-            <a:pPr algn="ctr"/>
-            <a:r>
-              <a:rPr lang="en-US" sz="4000" dirty="0">
-                <a:latin typeface="Arial Black" panose="020B0A04020102020204" pitchFamily="34" charset="0"/>
-              </a:rPr>
-              <a:t>Changes To initial Proposal</a:t>
-            </a:r>
-            <a:br>
-              <a:rPr lang="en-US" sz="4000" dirty="0">
-                <a:latin typeface="Arial Black" panose="020B0A04020102020204" pitchFamily="34" charset="0"/>
-              </a:rPr>
-            </a:br>
-            <a:r>
-              <a:rPr lang="en-US" sz="4000" dirty="0">
-                <a:latin typeface="Arial Black" panose="020B0A04020102020204" pitchFamily="34" charset="0"/>
-              </a:rPr>
-              <a:t>&amp; Test Cases</a:t>
-            </a:r>
-          </a:p>
-        </p:txBody>
-      </p:sp>
-      <p:sp>
-        <p:nvSpPr>
-          <p:cNvPr id="2" name="TextBox 1">
-            <a:extLst>
-              <a:ext uri="{FF2B5EF4-FFF2-40B4-BE49-F238E27FC236}">
-                <a16:creationId xmlns:a16="http://schemas.microsoft.com/office/drawing/2014/main" id="{9BB9C144-CF8A-4D78-4B91-D8DD988EDDF7}"/>
-              </a:ext>
-            </a:extLst>
-          </p:cNvPr>
-          <p:cNvSpPr txBox="1"/>
-          <p:nvPr/>
-        </p:nvSpPr>
-        <p:spPr>
-          <a:xfrm>
-            <a:off x="1209416" y="2053682"/>
-            <a:ext cx="9773165" cy="3256917"/>
-          </a:xfrm>
-          <a:prstGeom prst="rect">
-            <a:avLst/>
-          </a:prstGeom>
-          <a:noFill/>
-        </p:spPr>
-        <p:txBody>
-          <a:bodyPr wrap="square">
-            <a:spAutoFit/>
-          </a:bodyPr>
-          <a:lstStyle/>
-          <a:p>
-            <a:pPr lvl="0">
-              <a:lnSpc>
-                <a:spcPct val="115000"/>
-              </a:lnSpc>
-              <a:spcBef>
-                <a:spcPts val="1600"/>
-              </a:spcBef>
-              <a:spcAft>
-                <a:spcPts val="1600"/>
-              </a:spcAft>
-            </a:pPr>
-            <a:r>
-              <a:rPr lang="en-US" sz="2000" dirty="0">
-                <a:latin typeface="Arial Black" panose="020B0A04020102020204" pitchFamily="34" charset="0"/>
-              </a:rPr>
-              <a:t>As I did not receive feedback regarding any necessary changes to elements regarding the project itself and as my initial choices effectively met the requirements, no further adjustments were needed following the initial phase. I remain open to any suggestions or improvements that may be available following this phase.</a:t>
-            </a:r>
-            <a:br>
-              <a:rPr lang="en-US" sz="2000" dirty="0">
-                <a:latin typeface="Arial Black" panose="020B0A04020102020204" pitchFamily="34" charset="0"/>
-              </a:rPr>
-            </a:br>
-            <a:br>
-              <a:rPr lang="en-US" sz="2000" dirty="0">
-                <a:latin typeface="Arial Black" panose="020B0A04020102020204" pitchFamily="34" charset="0"/>
-              </a:rPr>
-            </a:br>
-            <a:br>
-              <a:rPr lang="en-US" sz="2000" dirty="0">
-                <a:latin typeface="Arial Black" panose="020B0A04020102020204" pitchFamily="34" charset="0"/>
-              </a:rPr>
-            </a:br>
-            <a:r>
-              <a:rPr lang="en-US" sz="2000" dirty="0">
-                <a:latin typeface="Arial Black" panose="020B0A04020102020204" pitchFamily="34" charset="0"/>
-              </a:rPr>
-              <a:t>All Test Cases can be found in the README.md file in the </a:t>
-            </a:r>
-            <a:r>
-              <a:rPr lang="en-US" sz="2000" dirty="0" err="1">
-                <a:latin typeface="Arial Black" panose="020B0A04020102020204" pitchFamily="34" charset="0"/>
-              </a:rPr>
-              <a:t>Github</a:t>
-            </a:r>
-            <a:r>
-              <a:rPr lang="en-US" sz="2000" dirty="0">
-                <a:latin typeface="Arial Black" panose="020B0A04020102020204" pitchFamily="34" charset="0"/>
-              </a:rPr>
-              <a:t> repository.</a:t>
-            </a:r>
-          </a:p>
-        </p:txBody>
-      </p:sp>
-    </p:spTree>
-    <p:extLst>
-      <p:ext uri="{BB962C8B-B14F-4D97-AF65-F5344CB8AC3E}">
-        <p14:creationId xmlns:p14="http://schemas.microsoft.com/office/powerpoint/2010/main" val="3351150767"/>
-      </p:ext>
-    </p:extLst>
-  </p:cSld>
-  <p:clrMapOvr>
-    <a:masterClrMapping/>
-  </p:clrMapOvr>
-</p:sld>
-</file>
-
-<file path=ppt/slides/slide12.xml><?xml version="1.0" encoding="utf-8"?>
 <p:sld xmlns:a="http://schemas.openxmlformats.org/drawingml/2006/main" xmlns:r="http://schemas.openxmlformats.org/officeDocument/2006/relationships" xmlns:p="http://schemas.openxmlformats.org/presentationml/2006/main">
   <p:cSld>
     <p:spTree>
@@ -6585,7 +6418,7 @@
 </p:sld>
 </file>
 
-<file path=ppt/slides/slide13.xml><?xml version="1.0" encoding="utf-8"?>
+<file path=ppt/slides/slide12.xml><?xml version="1.0" encoding="utf-8"?>
 <p:sld xmlns:a="http://schemas.openxmlformats.org/drawingml/2006/main" xmlns:r="http://schemas.openxmlformats.org/officeDocument/2006/relationships" xmlns:p="http://schemas.openxmlformats.org/presentationml/2006/main">
   <p:cSld>
     <p:spTree>
@@ -6783,7 +6616,7 @@
 </p:sld>
 </file>
 
-<file path=ppt/slides/slide14.xml><?xml version="1.0" encoding="utf-8"?>
+<file path=ppt/slides/slide13.xml><?xml version="1.0" encoding="utf-8"?>
 <p:sld xmlns:a="http://schemas.openxmlformats.org/drawingml/2006/main" xmlns:r="http://schemas.openxmlformats.org/officeDocument/2006/relationships" xmlns:p="http://schemas.openxmlformats.org/presentationml/2006/main">
   <p:cSld>
     <p:spTree>
@@ -6905,7 +6738,7 @@
 </p:sld>
 </file>
 
-<file path=ppt/slides/slide15.xml><?xml version="1.0" encoding="utf-8"?>
+<file path=ppt/slides/slide14.xml><?xml version="1.0" encoding="utf-8"?>
 <p:sld xmlns:a="http://schemas.openxmlformats.org/drawingml/2006/main" xmlns:r="http://schemas.openxmlformats.org/officeDocument/2006/relationships" xmlns:p="http://schemas.openxmlformats.org/presentationml/2006/main">
   <p:cSld>
     <p:spTree>
@@ -7027,7 +6860,7 @@
 </p:sld>
 </file>
 
-<file path=ppt/slides/slide16.xml><?xml version="1.0" encoding="utf-8"?>
+<file path=ppt/slides/slide15.xml><?xml version="1.0" encoding="utf-8"?>
 <p:sld xmlns:a="http://schemas.openxmlformats.org/drawingml/2006/main" xmlns:r="http://schemas.openxmlformats.org/officeDocument/2006/relationships" xmlns:p="http://schemas.openxmlformats.org/presentationml/2006/main">
   <p:cSld>
     <p:spTree>
@@ -7174,7 +7007,7 @@
 </p:sld>
 </file>
 
-<file path=ppt/slides/slide17.xml><?xml version="1.0" encoding="utf-8"?>
+<file path=ppt/slides/slide16.xml><?xml version="1.0" encoding="utf-8"?>
 <p:sld xmlns:a="http://schemas.openxmlformats.org/drawingml/2006/main" xmlns:r="http://schemas.openxmlformats.org/officeDocument/2006/relationships" xmlns:p="http://schemas.openxmlformats.org/presentationml/2006/main">
   <p:cSld>
     <p:spTree>
@@ -7296,7 +7129,7 @@
 </p:sld>
 </file>
 
-<file path=ppt/slides/slide18.xml><?xml version="1.0" encoding="utf-8"?>
+<file path=ppt/slides/slide17.xml><?xml version="1.0" encoding="utf-8"?>
 <p:sld xmlns:a="http://schemas.openxmlformats.org/drawingml/2006/main" xmlns:r="http://schemas.openxmlformats.org/officeDocument/2006/relationships" xmlns:p="http://schemas.openxmlformats.org/presentationml/2006/main">
   <p:cSld>
     <p:spTree>
@@ -7418,7 +7251,7 @@
 </p:sld>
 </file>
 
-<file path=ppt/slides/slide19.xml><?xml version="1.0" encoding="utf-8"?>
+<file path=ppt/slides/slide18.xml><?xml version="1.0" encoding="utf-8"?>
 <p:sld xmlns:a="http://schemas.openxmlformats.org/drawingml/2006/main" xmlns:r="http://schemas.openxmlformats.org/officeDocument/2006/relationships" xmlns:p="http://schemas.openxmlformats.org/presentationml/2006/main">
   <p:cSld>
     <p:spTree>
@@ -7550,6 +7383,204 @@
     <p:extLst>
       <p:ext uri="{BB962C8B-B14F-4D97-AF65-F5344CB8AC3E}">
         <p14:creationId xmlns:p14="http://schemas.microsoft.com/office/powerpoint/2010/main" val="3597361117"/>
+      </p:ext>
+    </p:extLst>
+  </p:cSld>
+  <p:clrMapOvr>
+    <a:masterClrMapping/>
+  </p:clrMapOvr>
+</p:sld>
+</file>
+
+<file path=ppt/slides/slide19.xml><?xml version="1.0" encoding="utf-8"?>
+<p:sld xmlns:a="http://schemas.openxmlformats.org/drawingml/2006/main" xmlns:r="http://schemas.openxmlformats.org/officeDocument/2006/relationships" xmlns:p="http://schemas.openxmlformats.org/presentationml/2006/main">
+  <p:cSld>
+    <p:spTree>
+      <p:nvGrpSpPr>
+        <p:cNvPr id="1" name="">
+          <a:extLst>
+            <a:ext uri="{FF2B5EF4-FFF2-40B4-BE49-F238E27FC236}">
+              <a16:creationId xmlns:a16="http://schemas.microsoft.com/office/drawing/2014/main" id="{77B64868-DAD6-7005-9B75-3B697750AD21}"/>
+            </a:ext>
+          </a:extLst>
+        </p:cNvPr>
+        <p:cNvGrpSpPr/>
+        <p:nvPr/>
+      </p:nvGrpSpPr>
+      <p:grpSpPr>
+        <a:xfrm>
+          <a:off x="0" y="0"/>
+          <a:ext cx="0" cy="0"/>
+          <a:chOff x="0" y="0"/>
+          <a:chExt cx="0" cy="0"/>
+        </a:xfrm>
+      </p:grpSpPr>
+      <p:sp>
+        <p:nvSpPr>
+          <p:cNvPr id="5" name="Title 1">
+            <a:extLst>
+              <a:ext uri="{FF2B5EF4-FFF2-40B4-BE49-F238E27FC236}">
+                <a16:creationId xmlns:a16="http://schemas.microsoft.com/office/drawing/2014/main" id="{A7E27F2D-6F4D-AA02-8368-28AA805F316E}"/>
+              </a:ext>
+            </a:extLst>
+          </p:cNvPr>
+          <p:cNvSpPr>
+            <a:spLocks noGrp="1"/>
+          </p:cNvSpPr>
+          <p:nvPr>
+            <p:ph type="title"/>
+          </p:nvPr>
+        </p:nvSpPr>
+        <p:spPr>
+          <a:xfrm>
+            <a:off x="133423" y="170508"/>
+            <a:ext cx="12058577" cy="1260000"/>
+          </a:xfrm>
+        </p:spPr>
+        <p:txBody>
+          <a:bodyPr>
+            <a:noAutofit/>
+          </a:bodyPr>
+          <a:lstStyle/>
+          <a:p>
+            <a:pPr algn="ctr"/>
+            <a:r>
+              <a:rPr lang="en-US" sz="4000" dirty="0">
+                <a:latin typeface="Arial Black" panose="020B0A04020102020204" pitchFamily="34" charset="0"/>
+              </a:rPr>
+              <a:t>Reflections &amp; Future Improvements</a:t>
+            </a:r>
+          </a:p>
+        </p:txBody>
+      </p:sp>
+      <p:sp>
+        <p:nvSpPr>
+          <p:cNvPr id="2" name="TextBox 1">
+            <a:extLst>
+              <a:ext uri="{FF2B5EF4-FFF2-40B4-BE49-F238E27FC236}">
+                <a16:creationId xmlns:a16="http://schemas.microsoft.com/office/drawing/2014/main" id="{3358FE70-918E-3D0A-B1EA-A90BDEE2E406}"/>
+              </a:ext>
+            </a:extLst>
+          </p:cNvPr>
+          <p:cNvSpPr txBox="1"/>
+          <p:nvPr/>
+        </p:nvSpPr>
+        <p:spPr>
+          <a:xfrm>
+            <a:off x="1209415" y="1751349"/>
+            <a:ext cx="9773165" cy="4190506"/>
+          </a:xfrm>
+          <a:prstGeom prst="rect">
+            <a:avLst/>
+          </a:prstGeom>
+          <a:noFill/>
+        </p:spPr>
+        <p:txBody>
+          <a:bodyPr wrap="square">
+            <a:spAutoFit/>
+          </a:bodyPr>
+          <a:lstStyle/>
+          <a:p>
+            <a:pPr lvl="0">
+              <a:lnSpc>
+                <a:spcPct val="115000"/>
+              </a:lnSpc>
+              <a:spcBef>
+                <a:spcPts val="1600"/>
+              </a:spcBef>
+              <a:spcAft>
+                <a:spcPts val="1600"/>
+              </a:spcAft>
+            </a:pPr>
+            <a:r>
+              <a:rPr lang="en-GB" sz="2000" dirty="0">
+                <a:latin typeface="Arial Black" panose="020B0A04020102020204" pitchFamily="34" charset="0"/>
+              </a:rPr>
+              <a:t>The final product meets all requirements of a simple yet efficient To do list app with organization and productivity in mind. Some Future improvements that could further enhance the app are:</a:t>
+            </a:r>
+          </a:p>
+          <a:p>
+            <a:pPr lvl="0">
+              <a:lnSpc>
+                <a:spcPct val="115000"/>
+              </a:lnSpc>
+              <a:spcBef>
+                <a:spcPts val="1600"/>
+              </a:spcBef>
+              <a:spcAft>
+                <a:spcPts val="1600"/>
+              </a:spcAft>
+            </a:pPr>
+            <a:r>
+              <a:rPr lang="en-GB" sz="2000" dirty="0">
+                <a:latin typeface="Arial Black" panose="020B0A04020102020204" pitchFamily="34" charset="0"/>
+              </a:rPr>
+              <a:t>•	Deadline functionality </a:t>
+            </a:r>
+          </a:p>
+          <a:p>
+            <a:pPr lvl="0">
+              <a:lnSpc>
+                <a:spcPct val="115000"/>
+              </a:lnSpc>
+              <a:spcBef>
+                <a:spcPts val="1600"/>
+              </a:spcBef>
+              <a:spcAft>
+                <a:spcPts val="1600"/>
+              </a:spcAft>
+            </a:pPr>
+            <a:r>
+              <a:rPr lang="en-GB" sz="2000" dirty="0">
+                <a:latin typeface="Arial Black" panose="020B0A04020102020204" pitchFamily="34" charset="0"/>
+              </a:rPr>
+              <a:t>•	Task Priority filter</a:t>
+            </a:r>
+          </a:p>
+          <a:p>
+            <a:pPr lvl="0">
+              <a:lnSpc>
+                <a:spcPct val="115000"/>
+              </a:lnSpc>
+              <a:spcBef>
+                <a:spcPts val="1600"/>
+              </a:spcBef>
+              <a:spcAft>
+                <a:spcPts val="1600"/>
+              </a:spcAft>
+            </a:pPr>
+            <a:r>
+              <a:rPr lang="en-GB" sz="2000" dirty="0">
+                <a:latin typeface="Arial Black" panose="020B0A04020102020204" pitchFamily="34" charset="0"/>
+              </a:rPr>
+              <a:t>•	Multi-user task collaboration</a:t>
+            </a:r>
+          </a:p>
+          <a:p>
+            <a:pPr lvl="0">
+              <a:lnSpc>
+                <a:spcPct val="115000"/>
+              </a:lnSpc>
+              <a:spcBef>
+                <a:spcPts val="1600"/>
+              </a:spcBef>
+              <a:spcAft>
+                <a:spcPts val="1600"/>
+              </a:spcAft>
+            </a:pPr>
+            <a:r>
+              <a:rPr lang="en-GB" sz="2000" dirty="0">
+                <a:latin typeface="Arial Black" panose="020B0A04020102020204" pitchFamily="34" charset="0"/>
+              </a:rPr>
+              <a:t>•	Sync with Google Tasks/Calendar</a:t>
+            </a:r>
+          </a:p>
+        </p:txBody>
+      </p:sp>
+    </p:spTree>
+    <p:extLst>
+      <p:ext uri="{BB962C8B-B14F-4D97-AF65-F5344CB8AC3E}">
+        <p14:creationId xmlns:p14="http://schemas.microsoft.com/office/powerpoint/2010/main" val="3813562541"/>
       </p:ext>
     </p:extLst>
   </p:cSld>
@@ -7879,204 +7910,6 @@
 </p:sld>
 </file>
 
-<file path=ppt/slides/slide20.xml><?xml version="1.0" encoding="utf-8"?>
-<p:sld xmlns:a="http://schemas.openxmlformats.org/drawingml/2006/main" xmlns:r="http://schemas.openxmlformats.org/officeDocument/2006/relationships" xmlns:p="http://schemas.openxmlformats.org/presentationml/2006/main">
-  <p:cSld>
-    <p:spTree>
-      <p:nvGrpSpPr>
-        <p:cNvPr id="1" name="">
-          <a:extLst>
-            <a:ext uri="{FF2B5EF4-FFF2-40B4-BE49-F238E27FC236}">
-              <a16:creationId xmlns:a16="http://schemas.microsoft.com/office/drawing/2014/main" id="{77B64868-DAD6-7005-9B75-3B697750AD21}"/>
-            </a:ext>
-          </a:extLst>
-        </p:cNvPr>
-        <p:cNvGrpSpPr/>
-        <p:nvPr/>
-      </p:nvGrpSpPr>
-      <p:grpSpPr>
-        <a:xfrm>
-          <a:off x="0" y="0"/>
-          <a:ext cx="0" cy="0"/>
-          <a:chOff x="0" y="0"/>
-          <a:chExt cx="0" cy="0"/>
-        </a:xfrm>
-      </p:grpSpPr>
-      <p:sp>
-        <p:nvSpPr>
-          <p:cNvPr id="5" name="Title 1">
-            <a:extLst>
-              <a:ext uri="{FF2B5EF4-FFF2-40B4-BE49-F238E27FC236}">
-                <a16:creationId xmlns:a16="http://schemas.microsoft.com/office/drawing/2014/main" id="{A7E27F2D-6F4D-AA02-8368-28AA805F316E}"/>
-              </a:ext>
-            </a:extLst>
-          </p:cNvPr>
-          <p:cNvSpPr>
-            <a:spLocks noGrp="1"/>
-          </p:cNvSpPr>
-          <p:nvPr>
-            <p:ph type="title"/>
-          </p:nvPr>
-        </p:nvSpPr>
-        <p:spPr>
-          <a:xfrm>
-            <a:off x="133423" y="170508"/>
-            <a:ext cx="12058577" cy="1260000"/>
-          </a:xfrm>
-        </p:spPr>
-        <p:txBody>
-          <a:bodyPr>
-            <a:noAutofit/>
-          </a:bodyPr>
-          <a:lstStyle/>
-          <a:p>
-            <a:pPr algn="ctr"/>
-            <a:r>
-              <a:rPr lang="en-US" sz="4000" dirty="0">
-                <a:latin typeface="Arial Black" panose="020B0A04020102020204" pitchFamily="34" charset="0"/>
-              </a:rPr>
-              <a:t>Reflections &amp; Future Improvements</a:t>
-            </a:r>
-          </a:p>
-        </p:txBody>
-      </p:sp>
-      <p:sp>
-        <p:nvSpPr>
-          <p:cNvPr id="2" name="TextBox 1">
-            <a:extLst>
-              <a:ext uri="{FF2B5EF4-FFF2-40B4-BE49-F238E27FC236}">
-                <a16:creationId xmlns:a16="http://schemas.microsoft.com/office/drawing/2014/main" id="{3358FE70-918E-3D0A-B1EA-A90BDEE2E406}"/>
-              </a:ext>
-            </a:extLst>
-          </p:cNvPr>
-          <p:cNvSpPr txBox="1"/>
-          <p:nvPr/>
-        </p:nvSpPr>
-        <p:spPr>
-          <a:xfrm>
-            <a:off x="1209415" y="1751349"/>
-            <a:ext cx="9773165" cy="4190506"/>
-          </a:xfrm>
-          <a:prstGeom prst="rect">
-            <a:avLst/>
-          </a:prstGeom>
-          <a:noFill/>
-        </p:spPr>
-        <p:txBody>
-          <a:bodyPr wrap="square">
-            <a:spAutoFit/>
-          </a:bodyPr>
-          <a:lstStyle/>
-          <a:p>
-            <a:pPr lvl="0">
-              <a:lnSpc>
-                <a:spcPct val="115000"/>
-              </a:lnSpc>
-              <a:spcBef>
-                <a:spcPts val="1600"/>
-              </a:spcBef>
-              <a:spcAft>
-                <a:spcPts val="1600"/>
-              </a:spcAft>
-            </a:pPr>
-            <a:r>
-              <a:rPr lang="en-GB" sz="2000" dirty="0">
-                <a:latin typeface="Arial Black" panose="020B0A04020102020204" pitchFamily="34" charset="0"/>
-              </a:rPr>
-              <a:t>The final product meets all requirements of a simple yet efficient To do list app with organization and productivity in mind. Some Future improvements that could further enhance the app are:</a:t>
-            </a:r>
-          </a:p>
-          <a:p>
-            <a:pPr lvl="0">
-              <a:lnSpc>
-                <a:spcPct val="115000"/>
-              </a:lnSpc>
-              <a:spcBef>
-                <a:spcPts val="1600"/>
-              </a:spcBef>
-              <a:spcAft>
-                <a:spcPts val="1600"/>
-              </a:spcAft>
-            </a:pPr>
-            <a:r>
-              <a:rPr lang="en-GB" sz="2000" dirty="0">
-                <a:latin typeface="Arial Black" panose="020B0A04020102020204" pitchFamily="34" charset="0"/>
-              </a:rPr>
-              <a:t>•	Deadline functionality </a:t>
-            </a:r>
-          </a:p>
-          <a:p>
-            <a:pPr lvl="0">
-              <a:lnSpc>
-                <a:spcPct val="115000"/>
-              </a:lnSpc>
-              <a:spcBef>
-                <a:spcPts val="1600"/>
-              </a:spcBef>
-              <a:spcAft>
-                <a:spcPts val="1600"/>
-              </a:spcAft>
-            </a:pPr>
-            <a:r>
-              <a:rPr lang="en-GB" sz="2000" dirty="0">
-                <a:latin typeface="Arial Black" panose="020B0A04020102020204" pitchFamily="34" charset="0"/>
-              </a:rPr>
-              <a:t>•	Task Priority filter</a:t>
-            </a:r>
-          </a:p>
-          <a:p>
-            <a:pPr lvl="0">
-              <a:lnSpc>
-                <a:spcPct val="115000"/>
-              </a:lnSpc>
-              <a:spcBef>
-                <a:spcPts val="1600"/>
-              </a:spcBef>
-              <a:spcAft>
-                <a:spcPts val="1600"/>
-              </a:spcAft>
-            </a:pPr>
-            <a:r>
-              <a:rPr lang="en-GB" sz="2000" dirty="0">
-                <a:latin typeface="Arial Black" panose="020B0A04020102020204" pitchFamily="34" charset="0"/>
-              </a:rPr>
-              <a:t>•	Multi-user task collaboration</a:t>
-            </a:r>
-          </a:p>
-          <a:p>
-            <a:pPr lvl="0">
-              <a:lnSpc>
-                <a:spcPct val="115000"/>
-              </a:lnSpc>
-              <a:spcBef>
-                <a:spcPts val="1600"/>
-              </a:spcBef>
-              <a:spcAft>
-                <a:spcPts val="1600"/>
-              </a:spcAft>
-            </a:pPr>
-            <a:r>
-              <a:rPr lang="en-GB" sz="2000" dirty="0">
-                <a:latin typeface="Arial Black" panose="020B0A04020102020204" pitchFamily="34" charset="0"/>
-              </a:rPr>
-              <a:t>•	Sync with Google Tasks/Calendar</a:t>
-            </a:r>
-          </a:p>
-        </p:txBody>
-      </p:sp>
-    </p:spTree>
-    <p:extLst>
-      <p:ext uri="{BB962C8B-B14F-4D97-AF65-F5344CB8AC3E}">
-        <p14:creationId xmlns:p14="http://schemas.microsoft.com/office/powerpoint/2010/main" val="3813562541"/>
-      </p:ext>
-    </p:extLst>
-  </p:cSld>
-  <p:clrMapOvr>
-    <a:masterClrMapping/>
-  </p:clrMapOvr>
-</p:sld>
-</file>
-
 <file path=ppt/slides/slide3.xml><?xml version="1.0" encoding="utf-8"?>
 <p:sld xmlns:a="http://schemas.openxmlformats.org/drawingml/2006/main" xmlns:r="http://schemas.openxmlformats.org/officeDocument/2006/relationships" xmlns:p="http://schemas.openxmlformats.org/presentationml/2006/main">
   <p:cSld>
@@ -9490,10 +9323,16 @@
           <a:lstStyle/>
           <a:p>
             <a:r>
+              <a:rPr lang="en-US" sz="1600">
+                <a:latin typeface="Arial Black" panose="020B0A04020102020204" pitchFamily="34" charset="0"/>
+              </a:rPr>
+              <a:t>Input Task </a:t>
+            </a:r>
+            <a:r>
               <a:rPr lang="en-US" sz="1600" dirty="0">
                 <a:latin typeface="Arial Black" panose="020B0A04020102020204" pitchFamily="34" charset="0"/>
               </a:rPr>
-              <a:t>Input Taks Box</a:t>
+              <a:t>Box</a:t>
             </a:r>
           </a:p>
         </p:txBody>
